--- a/frontend1/static/presentations/user1_presentation.pptx
+++ b/frontend1/static/presentations/user1_presentation.pptx
@@ -13,14 +13,6 @@
     <p:sldId id="261" r:id="rId12"/>
     <p:sldId id="262" r:id="rId13"/>
     <p:sldId id="263" r:id="rId14"/>
-    <p:sldId id="264" r:id="rId15"/>
-    <p:sldId id="265" r:id="rId16"/>
-    <p:sldId id="266" r:id="rId17"/>
-    <p:sldId id="267" r:id="rId18"/>
-    <p:sldId id="268" r:id="rId19"/>
-    <p:sldId id="269" r:id="rId20"/>
-    <p:sldId id="270" r:id="rId21"/>
-    <p:sldId id="271" r:id="rId22"/>
   </p:sldIdLst>
   <p:sldSz cx="9144000" cy="6858000" type="screen4x3"/>
   <p:notesSz cx="6858000" cy="9144000"/>
@@ -3152,419 +3144,6 @@
 </p:sld>
 </file>
 
-<file path=ppt/slides/slide10.xml><?xml version="1.0" encoding="utf-8"?>
-<p:sld xmlns:a="http://schemas.openxmlformats.org/drawingml/2006/main" xmlns:p="http://schemas.openxmlformats.org/presentationml/2006/main" xmlns:r="http://schemas.openxmlformats.org/officeDocument/2006/relationships">
-  <p:cSld>
-    <p:spTree>
-      <p:nvGrpSpPr>
-        <p:cNvPr id="1" name=""/>
-        <p:cNvGrpSpPr/>
-        <p:nvPr/>
-      </p:nvGrpSpPr>
-      <p:grpSpPr/>
-      <p:sp>
-        <p:nvSpPr>
-          <p:cNvPr id="2" name="Title 1"/>
-          <p:cNvSpPr>
-            <a:spLocks noGrp="1"/>
-          </p:cNvSpPr>
-          <p:nvPr>
-            <p:ph type="title"/>
-          </p:nvPr>
-        </p:nvSpPr>
-        <p:spPr/>
-        <p:txBody>
-          <a:bodyPr/>
-          <a:lstStyle/>
-          <a:p/>
-        </p:txBody>
-      </p:sp>
-      <p:pic>
-        <p:nvPicPr>
-          <p:cNvPr id="3" name="Picture 2" descr="image.png"/>
-          <p:cNvPicPr>
-            <a:picLocks noChangeAspect="1"/>
-          </p:cNvPicPr>
-          <p:nvPr/>
-        </p:nvPicPr>
-        <p:blipFill>
-          <a:blip r:embed="rId2"/>
-          <a:stretch>
-            <a:fillRect/>
-          </a:stretch>
-        </p:blipFill>
-        <p:spPr>
-          <a:xfrm>
-            <a:off x="914400" y="914400"/>
-            <a:ext cx="7315200" cy="5029200"/>
-          </a:xfrm>
-          <a:prstGeom prst="rect">
-            <a:avLst/>
-          </a:prstGeom>
-        </p:spPr>
-      </p:pic>
-    </p:spTree>
-  </p:cSld>
-  <p:clrMapOvr>
-    <a:masterClrMapping/>
-  </p:clrMapOvr>
-</p:sld>
-</file>
-
-<file path=ppt/slides/slide11.xml><?xml version="1.0" encoding="utf-8"?>
-<p:sld xmlns:a="http://schemas.openxmlformats.org/drawingml/2006/main" xmlns:p="http://schemas.openxmlformats.org/presentationml/2006/main" xmlns:r="http://schemas.openxmlformats.org/officeDocument/2006/relationships">
-  <p:cSld>
-    <p:spTree>
-      <p:nvGrpSpPr>
-        <p:cNvPr id="1" name=""/>
-        <p:cNvGrpSpPr/>
-        <p:nvPr/>
-      </p:nvGrpSpPr>
-      <p:grpSpPr/>
-      <p:sp>
-        <p:nvSpPr>
-          <p:cNvPr id="2" name="Title 1"/>
-          <p:cNvSpPr>
-            <a:spLocks noGrp="1"/>
-          </p:cNvSpPr>
-          <p:nvPr>
-            <p:ph type="title"/>
-          </p:nvPr>
-        </p:nvSpPr>
-        <p:spPr/>
-        <p:txBody>
-          <a:bodyPr/>
-          <a:lstStyle/>
-          <a:p/>
-        </p:txBody>
-      </p:sp>
-      <p:pic>
-        <p:nvPicPr>
-          <p:cNvPr id="3" name="Picture 2" descr="churn_rate_stacked_bar_chart.png"/>
-          <p:cNvPicPr>
-            <a:picLocks noChangeAspect="1"/>
-          </p:cNvPicPr>
-          <p:nvPr/>
-        </p:nvPicPr>
-        <p:blipFill>
-          <a:blip r:embed="rId2"/>
-          <a:stretch>
-            <a:fillRect/>
-          </a:stretch>
-        </p:blipFill>
-        <p:spPr>
-          <a:xfrm>
-            <a:off x="914400" y="914400"/>
-            <a:ext cx="7315200" cy="5029200"/>
-          </a:xfrm>
-          <a:prstGeom prst="rect">
-            <a:avLst/>
-          </a:prstGeom>
-        </p:spPr>
-      </p:pic>
-    </p:spTree>
-  </p:cSld>
-  <p:clrMapOvr>
-    <a:masterClrMapping/>
-  </p:clrMapOvr>
-</p:sld>
-</file>
-
-<file path=ppt/slides/slide12.xml><?xml version="1.0" encoding="utf-8"?>
-<p:sld xmlns:a="http://schemas.openxmlformats.org/drawingml/2006/main" xmlns:p="http://schemas.openxmlformats.org/presentationml/2006/main" xmlns:r="http://schemas.openxmlformats.org/officeDocument/2006/relationships">
-  <p:cSld>
-    <p:spTree>
-      <p:nvGrpSpPr>
-        <p:cNvPr id="1" name=""/>
-        <p:cNvGrpSpPr/>
-        <p:nvPr/>
-      </p:nvGrpSpPr>
-      <p:grpSpPr/>
-      <p:sp>
-        <p:nvSpPr>
-          <p:cNvPr id="2" name="Title 1"/>
-          <p:cNvSpPr>
-            <a:spLocks noGrp="1"/>
-          </p:cNvSpPr>
-          <p:nvPr>
-            <p:ph type="title"/>
-          </p:nvPr>
-        </p:nvSpPr>
-        <p:spPr/>
-        <p:txBody>
-          <a:bodyPr/>
-          <a:lstStyle/>
-          <a:p/>
-        </p:txBody>
-      </p:sp>
-      <p:pic>
-        <p:nvPicPr>
-          <p:cNvPr id="3" name="Picture 2" descr="image.png"/>
-          <p:cNvPicPr>
-            <a:picLocks noChangeAspect="1"/>
-          </p:cNvPicPr>
-          <p:nvPr/>
-        </p:nvPicPr>
-        <p:blipFill>
-          <a:blip r:embed="rId2"/>
-          <a:stretch>
-            <a:fillRect/>
-          </a:stretch>
-        </p:blipFill>
-        <p:spPr>
-          <a:xfrm>
-            <a:off x="914400" y="914400"/>
-            <a:ext cx="7315200" cy="5029200"/>
-          </a:xfrm>
-          <a:prstGeom prst="rect">
-            <a:avLst/>
-          </a:prstGeom>
-        </p:spPr>
-      </p:pic>
-    </p:spTree>
-  </p:cSld>
-  <p:clrMapOvr>
-    <a:masterClrMapping/>
-  </p:clrMapOvr>
-</p:sld>
-</file>
-
-<file path=ppt/slides/slide13.xml><?xml version="1.0" encoding="utf-8"?>
-<p:sld xmlns:a="http://schemas.openxmlformats.org/drawingml/2006/main" xmlns:p="http://schemas.openxmlformats.org/presentationml/2006/main" xmlns:r="http://schemas.openxmlformats.org/officeDocument/2006/relationships">
-  <p:cSld>
-    <p:spTree>
-      <p:nvGrpSpPr>
-        <p:cNvPr id="1" name=""/>
-        <p:cNvGrpSpPr/>
-        <p:nvPr/>
-      </p:nvGrpSpPr>
-      <p:grpSpPr/>
-      <p:sp>
-        <p:nvSpPr>
-          <p:cNvPr id="2" name="Title 1"/>
-          <p:cNvSpPr>
-            <a:spLocks noGrp="1"/>
-          </p:cNvSpPr>
-          <p:nvPr>
-            <p:ph type="title"/>
-          </p:nvPr>
-        </p:nvSpPr>
-        <p:spPr/>
-        <p:txBody>
-          <a:bodyPr/>
-          <a:lstStyle/>
-          <a:p/>
-        </p:txBody>
-      </p:sp>
-      <p:pic>
-        <p:nvPicPr>
-          <p:cNvPr id="3" name="Picture 2" descr="image.png"/>
-          <p:cNvPicPr>
-            <a:picLocks noChangeAspect="1"/>
-          </p:cNvPicPr>
-          <p:nvPr/>
-        </p:nvPicPr>
-        <p:blipFill>
-          <a:blip r:embed="rId2"/>
-          <a:stretch>
-            <a:fillRect/>
-          </a:stretch>
-        </p:blipFill>
-        <p:spPr>
-          <a:xfrm>
-            <a:off x="914400" y="914400"/>
-            <a:ext cx="7315200" cy="5029200"/>
-          </a:xfrm>
-          <a:prstGeom prst="rect">
-            <a:avLst/>
-          </a:prstGeom>
-        </p:spPr>
-      </p:pic>
-    </p:spTree>
-  </p:cSld>
-  <p:clrMapOvr>
-    <a:masterClrMapping/>
-  </p:clrMapOvr>
-</p:sld>
-</file>
-
-<file path=ppt/slides/slide14.xml><?xml version="1.0" encoding="utf-8"?>
-<p:sld xmlns:a="http://schemas.openxmlformats.org/drawingml/2006/main" xmlns:p="http://schemas.openxmlformats.org/presentationml/2006/main" xmlns:r="http://schemas.openxmlformats.org/officeDocument/2006/relationships">
-  <p:cSld>
-    <p:spTree>
-      <p:nvGrpSpPr>
-        <p:cNvPr id="1" name=""/>
-        <p:cNvGrpSpPr/>
-        <p:nvPr/>
-      </p:nvGrpSpPr>
-      <p:grpSpPr/>
-      <p:sp>
-        <p:nvSpPr>
-          <p:cNvPr id="2" name="Title 1"/>
-          <p:cNvSpPr>
-            <a:spLocks noGrp="1"/>
-          </p:cNvSpPr>
-          <p:nvPr>
-            <p:ph type="title"/>
-          </p:nvPr>
-        </p:nvSpPr>
-        <p:spPr/>
-        <p:txBody>
-          <a:bodyPr/>
-          <a:lstStyle/>
-          <a:p/>
-        </p:txBody>
-      </p:sp>
-      <p:pic>
-        <p:nvPicPr>
-          <p:cNvPr id="3" name="Picture 2" descr="image.png"/>
-          <p:cNvPicPr>
-            <a:picLocks noChangeAspect="1"/>
-          </p:cNvPicPr>
-          <p:nvPr/>
-        </p:nvPicPr>
-        <p:blipFill>
-          <a:blip r:embed="rId2"/>
-          <a:stretch>
-            <a:fillRect/>
-          </a:stretch>
-        </p:blipFill>
-        <p:spPr>
-          <a:xfrm>
-            <a:off x="914400" y="914400"/>
-            <a:ext cx="7315200" cy="5029200"/>
-          </a:xfrm>
-          <a:prstGeom prst="rect">
-            <a:avLst/>
-          </a:prstGeom>
-        </p:spPr>
-      </p:pic>
-    </p:spTree>
-  </p:cSld>
-  <p:clrMapOvr>
-    <a:masterClrMapping/>
-  </p:clrMapOvr>
-</p:sld>
-</file>
-
-<file path=ppt/slides/slide15.xml><?xml version="1.0" encoding="utf-8"?>
-<p:sld xmlns:a="http://schemas.openxmlformats.org/drawingml/2006/main" xmlns:p="http://schemas.openxmlformats.org/presentationml/2006/main" xmlns:r="http://schemas.openxmlformats.org/officeDocument/2006/relationships">
-  <p:cSld>
-    <p:spTree>
-      <p:nvGrpSpPr>
-        <p:cNvPr id="1" name=""/>
-        <p:cNvGrpSpPr/>
-        <p:nvPr/>
-      </p:nvGrpSpPr>
-      <p:grpSpPr/>
-      <p:sp>
-        <p:nvSpPr>
-          <p:cNvPr id="2" name="Title 1"/>
-          <p:cNvSpPr>
-            <a:spLocks noGrp="1"/>
-          </p:cNvSpPr>
-          <p:nvPr>
-            <p:ph type="title"/>
-          </p:nvPr>
-        </p:nvSpPr>
-        <p:spPr/>
-        <p:txBody>
-          <a:bodyPr/>
-          <a:lstStyle/>
-          <a:p/>
-        </p:txBody>
-      </p:sp>
-      <p:pic>
-        <p:nvPicPr>
-          <p:cNvPr id="3" name="Picture 2" descr="image.png"/>
-          <p:cNvPicPr>
-            <a:picLocks noChangeAspect="1"/>
-          </p:cNvPicPr>
-          <p:nvPr/>
-        </p:nvPicPr>
-        <p:blipFill>
-          <a:blip r:embed="rId2"/>
-          <a:stretch>
-            <a:fillRect/>
-          </a:stretch>
-        </p:blipFill>
-        <p:spPr>
-          <a:xfrm>
-            <a:off x="914400" y="914400"/>
-            <a:ext cx="7315200" cy="5029200"/>
-          </a:xfrm>
-          <a:prstGeom prst="rect">
-            <a:avLst/>
-          </a:prstGeom>
-        </p:spPr>
-      </p:pic>
-    </p:spTree>
-  </p:cSld>
-  <p:clrMapOvr>
-    <a:masterClrMapping/>
-  </p:clrMapOvr>
-</p:sld>
-</file>
-
-<file path=ppt/slides/slide16.xml><?xml version="1.0" encoding="utf-8"?>
-<p:sld xmlns:a="http://schemas.openxmlformats.org/drawingml/2006/main" xmlns:p="http://schemas.openxmlformats.org/presentationml/2006/main" xmlns:r="http://schemas.openxmlformats.org/officeDocument/2006/relationships">
-  <p:cSld>
-    <p:spTree>
-      <p:nvGrpSpPr>
-        <p:cNvPr id="1" name=""/>
-        <p:cNvGrpSpPr/>
-        <p:nvPr/>
-      </p:nvGrpSpPr>
-      <p:grpSpPr/>
-      <p:sp>
-        <p:nvSpPr>
-          <p:cNvPr id="2" name="Title 1"/>
-          <p:cNvSpPr>
-            <a:spLocks noGrp="1"/>
-          </p:cNvSpPr>
-          <p:nvPr>
-            <p:ph type="title"/>
-          </p:nvPr>
-        </p:nvSpPr>
-        <p:spPr/>
-        <p:txBody>
-          <a:bodyPr/>
-          <a:lstStyle/>
-          <a:p/>
-        </p:txBody>
-      </p:sp>
-      <p:pic>
-        <p:nvPicPr>
-          <p:cNvPr id="3" name="Picture 2" descr="image.png"/>
-          <p:cNvPicPr>
-            <a:picLocks noChangeAspect="1"/>
-          </p:cNvPicPr>
-          <p:nvPr/>
-        </p:nvPicPr>
-        <p:blipFill>
-          <a:blip r:embed="rId2"/>
-          <a:stretch>
-            <a:fillRect/>
-          </a:stretch>
-        </p:blipFill>
-        <p:spPr>
-          <a:xfrm>
-            <a:off x="914400" y="914400"/>
-            <a:ext cx="7315200" cy="5029200"/>
-          </a:xfrm>
-          <a:prstGeom prst="rect">
-            <a:avLst/>
-          </a:prstGeom>
-        </p:spPr>
-      </p:pic>
-    </p:spTree>
-  </p:cSld>
-  <p:clrMapOvr>
-    <a:masterClrMapping/>
-  </p:clrMapOvr>
-</p:sld>
-</file>
-
 <file path=ppt/slides/slide2.xml><?xml version="1.0" encoding="utf-8"?>
 <p:sld xmlns:a="http://schemas.openxmlformats.org/drawingml/2006/main" xmlns:p="http://schemas.openxmlformats.org/presentationml/2006/main" xmlns:r="http://schemas.openxmlformats.org/officeDocument/2006/relationships">
   <p:cSld>
@@ -3592,20 +3171,12 @@
           <a:p/>
         </p:txBody>
       </p:sp>
-      <p:pic>
-        <p:nvPicPr>
-          <p:cNvPr id="3" name="Picture 2" descr="revenue_by_product_bar_chart.png"/>
-          <p:cNvPicPr>
-            <a:picLocks noChangeAspect="1"/>
-          </p:cNvPicPr>
+      <p:sp>
+        <p:nvSpPr>
+          <p:cNvPr id="3" name="TextBox 2"/>
+          <p:cNvSpPr txBox="1"/>
           <p:nvPr/>
-        </p:nvPicPr>
-        <p:blipFill>
-          <a:blip r:embed="rId2"/>
-          <a:stretch>
-            <a:fillRect/>
-          </a:stretch>
-        </p:blipFill>
+        </p:nvSpPr>
         <p:spPr>
           <a:xfrm>
             <a:off x="914400" y="914400"/>
@@ -3614,8 +3185,55 @@
           <a:prstGeom prst="rect">
             <a:avLst/>
           </a:prstGeom>
+          <a:noFill/>
         </p:spPr>
-      </p:pic>
+        <p:txBody>
+          <a:bodyPr wrap="none">
+            <a:spAutoFit/>
+          </a:bodyPr>
+          <a:lstStyle/>
+          <a:p/>
+          <a:p>
+            <a:pPr>
+              <a:defRPr sz="3600"/>
+            </a:pPr>
+            <a:r>
+              <a:t>The image is a bar chart that shows monthly recurring revenue (MRR) for different business units.</a:t>
+            </a:r>
+            <a:br/>
+            <a:br/>
+            <a:r>
+              <a:t>Here's a summary:</a:t>
+            </a:r>
+            <a:br/>
+            <a:br/>
+            <a:r>
+              <a:t>* **Purpose:** The chart visualizes the MRR contribution of various business units, allowing for easy comparison.</a:t>
+            </a:r>
+            <a:br/>
+            <a:r>
+              <a:t>* **X-axis:** Lists the different business units, likely abbreviated for space (e.g., "Agriculture," "Banking," "Construction").</a:t>
+            </a:r>
+            <a:br/>
+            <a:r>
+              <a:t>* **Y-axis:** Represents the MRR values, ranging from 0 to just above 2 million. </a:t>
+            </a:r>
+            <a:br/>
+            <a:r>
+              <a:t>* **Chart Type:** Uses a vertical bar chart (column chart), suitable for comparing discrete categories.</a:t>
+            </a:r>
+            <a:br/>
+            <a:r>
+              <a:t>* **Data Interpretation:** Some business units generate significantly more MRR than others.  For example, the units around "Education" and "Manufacturing" stand out as high performers. </a:t>
+            </a:r>
+            <a:br/>
+            <a:br/>
+            <a:r>
+              <a:t>Without knowing the exact business context or the meaning of the abbreviations, it's difficult to provide a more in-depth analysis.  However, the chart clearly highlights the revenue disparities between different parts of the business.</a:t>
+            </a:r>
+          </a:p>
+        </p:txBody>
+      </p:sp>
     </p:spTree>
   </p:cSld>
   <p:clrMapOvr>
@@ -3653,7 +3271,7 @@
       </p:sp>
       <p:pic>
         <p:nvPicPr>
-          <p:cNvPr id="3" name="Picture 2" descr="churn_rate_stacked_bar_chart.png"/>
+          <p:cNvPr id="3" name="Picture 2" descr="revenue_by_product_bar_chart.png"/>
           <p:cNvPicPr>
             <a:picLocks noChangeAspect="1"/>
           </p:cNvPicPr>
@@ -3710,20 +3328,12 @@
           <a:p/>
         </p:txBody>
       </p:sp>
-      <p:pic>
-        <p:nvPicPr>
-          <p:cNvPr id="3" name="Picture 2" descr="revenue_by_product_pie_chart.png"/>
-          <p:cNvPicPr>
-            <a:picLocks noChangeAspect="1"/>
-          </p:cNvPicPr>
+      <p:sp>
+        <p:nvSpPr>
+          <p:cNvPr id="3" name="TextBox 2"/>
+          <p:cNvSpPr txBox="1"/>
           <p:nvPr/>
-        </p:nvPicPr>
-        <p:blipFill>
-          <a:blip r:embed="rId2"/>
-          <a:stretch>
-            <a:fillRect/>
-          </a:stretch>
-        </p:blipFill>
+        </p:nvSpPr>
         <p:spPr>
           <a:xfrm>
             <a:off x="914400" y="914400"/>
@@ -3732,8 +3342,29 @@
           <a:prstGeom prst="rect">
             <a:avLst/>
           </a:prstGeom>
+          <a:noFill/>
         </p:spPr>
-      </p:pic>
+        <p:txBody>
+          <a:bodyPr wrap="none">
+            <a:spAutoFit/>
+          </a:bodyPr>
+          <a:lstStyle/>
+          <a:p/>
+          <a:p>
+            <a:pPr>
+              <a:defRPr sz="1440"/>
+            </a:pPr>
+            <a:r>
+              <a:t>The bar chart illustrates the total revenue generated by different products. The x-axis represents the various products offered, specifically CRM, Database, ERP, Expenses, Licenses, Services, and Web. The y-axis represents the total revenue billed, measured in a unit that appears to be tens of millions. </a:t>
+            </a:r>
+            <a:br/>
+            <a:br/>
+            <a:r>
+              <a:t>The standout observation is the significantly high revenue generated by the product "ERP," towering over all other products. "Web" also showcases a relatively strong performance, securing the second position in terms of revenue generation. In contrast, products like "CRM," "Database," "Expenses," and "Licenses" demonstrate relatively low revenue figures, barely registering on the chart. "Services" falls somewhere in the middle, exceeding the lower-performing products but dwarfed by the revenue from "ERP" and "Web."</a:t>
+            </a:r>
+          </a:p>
+        </p:txBody>
+      </p:sp>
     </p:spTree>
   </p:cSld>
   <p:clrMapOvr>
@@ -3771,7 +3402,7 @@
       </p:sp>
       <p:pic>
         <p:nvPicPr>
-          <p:cNvPr id="3" name="Picture 2" descr="image.png"/>
+          <p:cNvPr id="3" name="Picture 2" descr="churn_rate_stacked_bar_chart.png"/>
           <p:cNvPicPr>
             <a:picLocks noChangeAspect="1"/>
           </p:cNvPicPr>
@@ -3828,20 +3459,12 @@
           <a:p/>
         </p:txBody>
       </p:sp>
-      <p:pic>
-        <p:nvPicPr>
-          <p:cNvPr id="3" name="Picture 2" descr="image.png"/>
-          <p:cNvPicPr>
-            <a:picLocks noChangeAspect="1"/>
-          </p:cNvPicPr>
+      <p:sp>
+        <p:nvSpPr>
+          <p:cNvPr id="3" name="TextBox 2"/>
+          <p:cNvSpPr txBox="1"/>
           <p:nvPr/>
-        </p:nvPicPr>
-        <p:blipFill>
-          <a:blip r:embed="rId2"/>
-          <a:stretch>
-            <a:fillRect/>
-          </a:stretch>
-        </p:blipFill>
+        </p:nvSpPr>
         <p:spPr>
           <a:xfrm>
             <a:off x="914400" y="914400"/>
@@ -3850,8 +3473,24 @@
           <a:prstGeom prst="rect">
             <a:avLst/>
           </a:prstGeom>
+          <a:noFill/>
         </p:spPr>
-      </p:pic>
+        <p:txBody>
+          <a:bodyPr wrap="none">
+            <a:spAutoFit/>
+          </a:bodyPr>
+          <a:lstStyle/>
+          <a:p/>
+          <a:p>
+            <a:pPr>
+              <a:defRPr sz="1440"/>
+            </a:pPr>
+            <a:r>
+              <a:t>This chart shows the churn and active customer counts over time. The red portion represents churned customers, while the green portion represents active customers.</a:t>
+            </a:r>
+          </a:p>
+        </p:txBody>
+      </p:sp>
     </p:spTree>
   </p:cSld>
   <p:clrMapOvr>
@@ -3889,7 +3528,7 @@
       </p:sp>
       <p:pic>
         <p:nvPicPr>
-          <p:cNvPr id="3" name="Picture 2" descr="image.png"/>
+          <p:cNvPr id="3" name="Picture 2" descr="revenue_by_product_pie_chart.png"/>
           <p:cNvPicPr>
             <a:picLocks noChangeAspect="1"/>
           </p:cNvPicPr>
@@ -3946,20 +3585,12 @@
           <a:p/>
         </p:txBody>
       </p:sp>
-      <p:pic>
-        <p:nvPicPr>
-          <p:cNvPr id="3" name="Picture 2" descr="image.png"/>
-          <p:cNvPicPr>
-            <a:picLocks noChangeAspect="1"/>
-          </p:cNvPicPr>
+      <p:sp>
+        <p:nvSpPr>
+          <p:cNvPr id="3" name="TextBox 2"/>
+          <p:cNvSpPr txBox="1"/>
           <p:nvPr/>
-        </p:nvPicPr>
-        <p:blipFill>
-          <a:blip r:embed="rId2"/>
-          <a:stretch>
-            <a:fillRect/>
-          </a:stretch>
-        </p:blipFill>
+        </p:nvSpPr>
         <p:spPr>
           <a:xfrm>
             <a:off x="914400" y="914400"/>
@@ -3968,67 +3599,24 @@
           <a:prstGeom prst="rect">
             <a:avLst/>
           </a:prstGeom>
+          <a:noFill/>
         </p:spPr>
-      </p:pic>
-    </p:spTree>
-  </p:cSld>
-  <p:clrMapOvr>
-    <a:masterClrMapping/>
-  </p:clrMapOvr>
-</p:sld>
-</file>
-
-<file path=ppt/slides/slide9.xml><?xml version="1.0" encoding="utf-8"?>
-<p:sld xmlns:a="http://schemas.openxmlformats.org/drawingml/2006/main" xmlns:p="http://schemas.openxmlformats.org/presentationml/2006/main" xmlns:r="http://schemas.openxmlformats.org/officeDocument/2006/relationships">
-  <p:cSld>
-    <p:spTree>
-      <p:nvGrpSpPr>
-        <p:cNvPr id="1" name=""/>
-        <p:cNvGrpSpPr/>
-        <p:nvPr/>
-      </p:nvGrpSpPr>
-      <p:grpSpPr/>
-      <p:sp>
-        <p:nvSpPr>
-          <p:cNvPr id="2" name="Title 1"/>
-          <p:cNvSpPr>
-            <a:spLocks noGrp="1"/>
-          </p:cNvSpPr>
-          <p:nvPr>
-            <p:ph type="title"/>
-          </p:nvPr>
-        </p:nvSpPr>
-        <p:spPr/>
-        <p:txBody>
-          <a:bodyPr/>
+        <p:txBody>
+          <a:bodyPr wrap="none">
+            <a:spAutoFit/>
+          </a:bodyPr>
           <a:lstStyle/>
           <a:p/>
-        </p:txBody>
-      </p:sp>
-      <p:pic>
-        <p:nvPicPr>
-          <p:cNvPr id="3" name="Picture 2" descr="image.png"/>
-          <p:cNvPicPr>
-            <a:picLocks noChangeAspect="1"/>
-          </p:cNvPicPr>
-          <p:nvPr/>
-        </p:nvPicPr>
-        <p:blipFill>
-          <a:blip r:embed="rId2"/>
-          <a:stretch>
-            <a:fillRect/>
-          </a:stretch>
-        </p:blipFill>
-        <p:spPr>
-          <a:xfrm>
-            <a:off x="914400" y="914400"/>
-            <a:ext cx="7315200" cy="5029200"/>
-          </a:xfrm>
-          <a:prstGeom prst="rect">
-            <a:avLst/>
-          </a:prstGeom>
-        </p:spPr>
-      </p:pic>
+          <a:p>
+            <a:pPr>
+              <a:defRPr sz="1440"/>
+            </a:pPr>
+            <a:r>
+              <a:t>This pie chart shows the distribution of revenue billed by different products. Each slice represents the proportion of total revenue billed by each product.</a:t>
+            </a:r>
+          </a:p>
+        </p:txBody>
+      </p:sp>
     </p:spTree>
   </p:cSld>
   <p:clrMapOvr>

--- a/frontend1/static/presentations/user1_presentation.pptx
+++ b/frontend1/static/presentations/user1_presentation.pptx
@@ -3198,38 +3198,29 @@
               <a:defRPr sz="3600"/>
             </a:pPr>
             <a:r>
-              <a:t>The image is a bar chart that shows monthly recurring revenue (MRR) for different business units.</a:t>
+              <a:t>The image is a bar chart showing monthly recurring revenue for different business units. Here's a breakdown:</a:t>
             </a:r>
             <a:br/>
             <a:br/>
             <a:r>
-              <a:t>Here's a summary:</a:t>
+              <a:t>* **Title:** "Monthly Recurring Revenue by Business Unit" </a:t>
+            </a:r>
+            <a:br/>
+            <a:r>
+              <a:t>* **Y-axis:** Represents the amount of Monthly Recurring Revenue (MRR) likely in millions (denoted by the 1e6 at the top left).</a:t>
+            </a:r>
+            <a:br/>
+            <a:r>
+              <a:t>* **X-axis:** Shows a large number of business units, likely abbreviated. Some examples include "Agriculture," "Marketing," "Construction," "Healthcare," and various others that seem industry-specific.</a:t>
+            </a:r>
+            <a:br/>
+            <a:r>
+              <a:t>* **Bars:** Each bar's height represents the MRR for a specific business unit.</a:t>
             </a:r>
             <a:br/>
             <a:br/>
             <a:r>
-              <a:t>* **Purpose:** The chart visualizes the MRR contribution of various business units, allowing for easy comparison.</a:t>
-            </a:r>
-            <a:br/>
-            <a:r>
-              <a:t>* **X-axis:** Lists the different business units, likely abbreviated for space (e.g., "Agriculture," "Banking," "Construction").</a:t>
-            </a:r>
-            <a:br/>
-            <a:r>
-              <a:t>* **Y-axis:** Represents the MRR values, ranging from 0 to just above 2 million. </a:t>
-            </a:r>
-            <a:br/>
-            <a:r>
-              <a:t>* **Chart Type:** Uses a vertical bar chart (column chart), suitable for comparing discrete categories.</a:t>
-            </a:r>
-            <a:br/>
-            <a:r>
-              <a:t>* **Data Interpretation:** Some business units generate significantly more MRR than others.  For example, the units around "Education" and "Manufacturing" stand out as high performers. </a:t>
-            </a:r>
-            <a:br/>
-            <a:br/>
-            <a:r>
-              <a:t>Without knowing the exact business context or the meaning of the abbreviations, it's difficult to provide a more in-depth analysis.  However, the chart clearly highlights the revenue disparities between different parts of the business.</a:t>
+              <a:t>**Overall:** The chart visualizes the distribution of monthly recurring revenue across a variety of business units.  Without specific values on the Y-axis, it's difficult to draw precise conclusions about the revenue differences. However, it's clear that some units generate significantly more MRR than others.</a:t>
             </a:r>
           </a:p>
         </p:txBody>
@@ -3355,12 +3346,17 @@
               <a:defRPr sz="1440"/>
             </a:pPr>
             <a:r>
-              <a:t>The bar chart illustrates the total revenue generated by different products. The x-axis represents the various products offered, specifically CRM, Database, ERP, Expenses, Licenses, Services, and Web. The y-axis represents the total revenue billed, measured in a unit that appears to be tens of millions. </a:t>
+              <a:t>The bar chart titled "Total Revenue by Product" displays the total revenue generated by seven different products.  The x-axis lists the products: CRM, Database, ERP, Expenses, Licenses, Services, and Web. The y-axis represents the total revenue billed, ranging from zero to a little over 40 million dollars.</a:t>
             </a:r>
             <a:br/>
             <a:br/>
             <a:r>
-              <a:t>The standout observation is the significantly high revenue generated by the product "ERP," towering over all other products. "Web" also showcases a relatively strong performance, securing the second position in terms of revenue generation. In contrast, products like "CRM," "Database," "Expenses," and "Licenses" demonstrate relatively low revenue figures, barely registering on the chart. "Services" falls somewhere in the middle, exceeding the lower-performing products but dwarfed by the revenue from "ERP" and "Web."</a:t>
+              <a:t>The most striking feature of the chart is the dominant revenue generated by the "ERP" product, exceeding 40 million dollars. This dwarfs all other products. "Web" is a distant second at around 9 million dollars in revenue.  "Services" follows with approximately 3 million.  The remaining products, "CRM", "Database", "Expenses", and "Licenses", show negligible revenue in comparison, all below one million.</a:t>
+            </a:r>
+            <a:br/>
+            <a:br/>
+            <a:r>
+              <a:t>The chart indicates that ERP is the company's most successful product in terms of revenue generation, significantly outperforming all other products. The low revenue figures for the other products, particularly CRM, Database, Expenses, and Licenses, warrant further investigation to understand their performance and potentially improve revenue generation.</a:t>
             </a:r>
           </a:p>
         </p:txBody>

--- a/frontend1/static/presentations/user1_presentation.pptx
+++ b/frontend1/static/presentations/user1_presentation.pptx
@@ -11,8 +11,6 @@
     <p:sldId id="259" r:id="rId10"/>
     <p:sldId id="260" r:id="rId11"/>
     <p:sldId id="261" r:id="rId12"/>
-    <p:sldId id="262" r:id="rId13"/>
-    <p:sldId id="263" r:id="rId14"/>
   </p:sldIdLst>
   <p:sldSz cx="9144000" cy="6858000" type="screen4x3"/>
   <p:notesSz cx="6858000" cy="9144000"/>
@@ -3198,29 +3196,62 @@
               <a:defRPr sz="3600"/>
             </a:pPr>
             <a:r>
-              <a:t>The image is a bar chart showing monthly recurring revenue for different business units. Here's a breakdown:</a:t>
-            </a:r>
-            <a:br/>
-            <a:br/>
-            <a:r>
-              <a:t>* **Title:** "Monthly Recurring Revenue by Business Unit" </a:t>
-            </a:r>
-            <a:br/>
-            <a:r>
-              <a:t>* **Y-axis:** Represents the amount of Monthly Recurring Revenue (MRR) likely in millions (denoted by the 1e6 at the top left).</a:t>
-            </a:r>
-            <a:br/>
-            <a:r>
-              <a:t>* **X-axis:** Shows a large number of business units, likely abbreviated. Some examples include "Agriculture," "Marketing," "Construction," "Healthcare," and various others that seem industry-specific.</a:t>
-            </a:r>
-            <a:br/>
-            <a:r>
-              <a:t>* **Bars:** Each bar's height represents the MRR for a specific business unit.</a:t>
-            </a:r>
-            <a:br/>
-            <a:br/>
-            <a:r>
-              <a:t>**Overall:** The chart visualizes the distribution of monthly recurring revenue across a variety of business units.  Without specific values on the Y-axis, it's difficult to draw precise conclusions about the revenue differences. However, it's clear that some units generate significantly more MRR than others.</a:t>
+              <a:t>The bar chart visualizes the monthly recurring revenue (MRR) generated by different business units. </a:t>
+            </a:r>
+            <a:br/>
+            <a:br/>
+            <a:r>
+              <a:t>Here's a breakdown:</a:t>
+            </a:r>
+            <a:br/>
+            <a:br/>
+            <a:r>
+              <a:t>* **X-Axis:** Each bar on the x-axis represents a unique "Business Unit," likely departments or segments within a larger organization.  Examples include "Agriculture," "Banking," and "Marketing."</a:t>
+            </a:r>
+            <a:br/>
+            <a:r>
+              <a:t>* **Y-Axis:** The y-axis quantifies the "Monthly Recurring Revenue (MRR)" in a numerical format (it appears to be in the millions based on the "1e6" notation).</a:t>
+            </a:r>
+            <a:br/>
+            <a:r>
+              <a:t>* **Bar Height:**  The height of each bar directly corresponds to the MRR brought in by that specific business unit. Taller bars indicate higher revenue generation.</a:t>
+            </a:r>
+            <a:br/>
+            <a:br/>
+            <a:r>
+              <a:t>**Overall Insights:**</a:t>
+            </a:r>
+            <a:br/>
+            <a:br/>
+            <a:r>
+              <a:t>* **Revenue Variation:**  There's significant variation in MRR across different business units. Some units are high performers (with bars reaching close to 2 million), while others generate considerably less revenue.</a:t>
+            </a:r>
+            <a:br/>
+            <a:r>
+              <a:t>* **Data Comparison:** The chart allows for quick visual comparison of revenue performance between different areas of the business. </a:t>
+            </a:r>
+            <a:br/>
+            <a:br/>
+            <a:r>
+              <a:t>**Additional Notes:**</a:t>
+            </a:r>
+            <a:br/>
+            <a:br/>
+            <a:r>
+              <a:t>* **Color:** The consistent light blue color of the bars suggests a focus on presenting the data clearly without drawing attention to specific business units through color variation.</a:t>
+            </a:r>
+            <a:br/>
+            <a:r>
+              <a:t>* **Title and Labels:** The title ("Monthly Recurring Revenue by Business Unit") and axis labels are clear and descriptive, aiding in immediate understanding. </a:t>
+            </a:r>
+            <a:br/>
+            <a:r>
+              <a:t>* **Gridlines:**  The subtle gridlines in the background enhance readability by making it easier to trace the value of each bar against the y-axis scale. </a:t>
+            </a:r>
+            <a:br/>
+            <a:br/>
+            <a:r>
+              <a:t>Without specific values and context about the business, it's challenging to provide deeper analysis. However, this visualization effectively highlights which business units are major revenue drivers and which may require further attention or strategy adjustments.</a:t>
             </a:r>
           </a:p>
         </p:txBody>
@@ -3346,17 +3377,52 @@
               <a:defRPr sz="1440"/>
             </a:pPr>
             <a:r>
-              <a:t>The bar chart titled "Total Revenue by Product" displays the total revenue generated by seven different products.  The x-axis lists the products: CRM, Database, ERP, Expenses, Licenses, Services, and Web. The y-axis represents the total revenue billed, ranging from zero to a little over 40 million dollars.</a:t>
-            </a:r>
-            <a:br/>
-            <a:br/>
-            <a:r>
-              <a:t>The most striking feature of the chart is the dominant revenue generated by the "ERP" product, exceeding 40 million dollars. This dwarfs all other products. "Web" is a distant second at around 9 million dollars in revenue.  "Services" follows with approximately 3 million.  The remaining products, "CRM", "Database", "Expenses", and "Licenses", show negligible revenue in comparison, all below one million.</a:t>
-            </a:r>
-            <a:br/>
-            <a:br/>
-            <a:r>
-              <a:t>The chart indicates that ERP is the company's most successful product in terms of revenue generation, significantly outperforming all other products. The low revenue figures for the other products, particularly CRM, Database, Expenses, and Licenses, warrant further investigation to understand their performance and potentially improve revenue generation.</a:t>
+              <a:t>The image shows a bar graph titled "Total Revenue by Product." It visually compares the total revenue generated by different product categories. </a:t>
+            </a:r>
+            <a:br/>
+            <a:br/>
+            <a:r>
+              <a:t>Here's a breakdown:</a:t>
+            </a:r>
+            <a:br/>
+            <a:br/>
+            <a:r>
+              <a:t>* **X-Axis:** Lists individual product categories: "CRM," "Database," "ERP," "Expenses," "Licenses," "Services," and "Web."</a:t>
+            </a:r>
+            <a:br/>
+            <a:r>
+              <a:t>* **Y-Axis:** Represents the total revenue billed, likely in millions or tens of millions based on the scale.</a:t>
+            </a:r>
+            <a:br/>
+            <a:r>
+              <a:t>* **Bars:** Each bar's height corresponds to the total revenue for that specific product. </a:t>
+            </a:r>
+            <a:br/>
+            <a:br/>
+            <a:r>
+              <a:t>**Key Observations:**</a:t>
+            </a:r>
+            <a:br/>
+            <a:br/>
+            <a:r>
+              <a:t>* **ERP is the highest-performing product category** by a significant margin, generating the most revenue. </a:t>
+            </a:r>
+            <a:br/>
+            <a:r>
+              <a:t>* **Web is the second-highest revenue generator,** though significantly less than ERP. </a:t>
+            </a:r>
+            <a:br/>
+            <a:r>
+              <a:t>* **Services show a moderate revenue stream.**</a:t>
+            </a:r>
+            <a:br/>
+            <a:r>
+              <a:t>* **CRM, Database, Expenses, and Licenses demonstrate comparatively lower revenue figures.**</a:t>
+            </a:r>
+            <a:br/>
+            <a:br/>
+            <a:r>
+              <a:t>**Overall, the graph highlights a significant revenue disparity between product categories, with ERP dominating sales.** This suggests that the business might focus on understanding the success factors of the ERP product and explore strategies to replicate similar success in other areas or further capitalize on the ERP market.</a:t>
             </a:r>
           </a:p>
         </p:txBody>
@@ -3482,133 +3548,73 @@
               <a:defRPr sz="1440"/>
             </a:pPr>
             <a:r>
-              <a:t>This chart shows the churn and active customer counts over time. The red portion represents churned customers, while the green portion represents active customers.</a:t>
-            </a:r>
-          </a:p>
-        </p:txBody>
-      </p:sp>
-    </p:spTree>
-  </p:cSld>
-  <p:clrMapOvr>
-    <a:masterClrMapping/>
-  </p:clrMapOvr>
-</p:sld>
-</file>
-
-<file path=ppt/slides/slide7.xml><?xml version="1.0" encoding="utf-8"?>
-<p:sld xmlns:a="http://schemas.openxmlformats.org/drawingml/2006/main" xmlns:p="http://schemas.openxmlformats.org/presentationml/2006/main" xmlns:r="http://schemas.openxmlformats.org/officeDocument/2006/relationships">
-  <p:cSld>
-    <p:spTree>
-      <p:nvGrpSpPr>
-        <p:cNvPr id="1" name=""/>
-        <p:cNvGrpSpPr/>
-        <p:nvPr/>
-      </p:nvGrpSpPr>
-      <p:grpSpPr/>
-      <p:sp>
-        <p:nvSpPr>
-          <p:cNvPr id="2" name="Title 1"/>
-          <p:cNvSpPr>
-            <a:spLocks noGrp="1"/>
-          </p:cNvSpPr>
-          <p:nvPr>
-            <p:ph type="title"/>
-          </p:nvPr>
-        </p:nvSpPr>
-        <p:spPr/>
-        <p:txBody>
-          <a:bodyPr/>
-          <a:lstStyle/>
-          <a:p/>
-        </p:txBody>
-      </p:sp>
-      <p:pic>
-        <p:nvPicPr>
-          <p:cNvPr id="3" name="Picture 2" descr="revenue_by_product_pie_chart.png"/>
-          <p:cNvPicPr>
-            <a:picLocks noChangeAspect="1"/>
-          </p:cNvPicPr>
-          <p:nvPr/>
-        </p:nvPicPr>
-        <p:blipFill>
-          <a:blip r:embed="rId2"/>
-          <a:stretch>
-            <a:fillRect/>
-          </a:stretch>
-        </p:blipFill>
-        <p:spPr>
-          <a:xfrm>
-            <a:off x="914400" y="914400"/>
-            <a:ext cx="7315200" cy="5029200"/>
-          </a:xfrm>
-          <a:prstGeom prst="rect">
-            <a:avLst/>
-          </a:prstGeom>
-        </p:spPr>
-      </p:pic>
-    </p:spTree>
-  </p:cSld>
-  <p:clrMapOvr>
-    <a:masterClrMapping/>
-  </p:clrMapOvr>
-</p:sld>
-</file>
-
-<file path=ppt/slides/slide8.xml><?xml version="1.0" encoding="utf-8"?>
-<p:sld xmlns:a="http://schemas.openxmlformats.org/drawingml/2006/main" xmlns:p="http://schemas.openxmlformats.org/presentationml/2006/main" xmlns:r="http://schemas.openxmlformats.org/officeDocument/2006/relationships">
-  <p:cSld>
-    <p:spTree>
-      <p:nvGrpSpPr>
-        <p:cNvPr id="1" name=""/>
-        <p:cNvGrpSpPr/>
-        <p:nvPr/>
-      </p:nvGrpSpPr>
-      <p:grpSpPr/>
-      <p:sp>
-        <p:nvSpPr>
-          <p:cNvPr id="2" name="Title 1"/>
-          <p:cNvSpPr>
-            <a:spLocks noGrp="1"/>
-          </p:cNvSpPr>
-          <p:nvPr>
-            <p:ph type="title"/>
-          </p:nvPr>
-        </p:nvSpPr>
-        <p:spPr/>
-        <p:txBody>
-          <a:bodyPr/>
-          <a:lstStyle/>
-          <a:p/>
-        </p:txBody>
-      </p:sp>
-      <p:sp>
-        <p:nvSpPr>
-          <p:cNvPr id="3" name="TextBox 2"/>
-          <p:cNvSpPr txBox="1"/>
-          <p:nvPr/>
-        </p:nvSpPr>
-        <p:spPr>
-          <a:xfrm>
-            <a:off x="914400" y="914400"/>
-            <a:ext cx="7315200" cy="5029200"/>
-          </a:xfrm>
-          <a:prstGeom prst="rect">
-            <a:avLst/>
-          </a:prstGeom>
-          <a:noFill/>
-        </p:spPr>
-        <p:txBody>
-          <a:bodyPr wrap="none">
-            <a:spAutoFit/>
-          </a:bodyPr>
-          <a:lstStyle/>
-          <a:p/>
-          <a:p>
-            <a:pPr>
-              <a:defRPr sz="1440"/>
-            </a:pPr>
-            <a:r>
-              <a:t>This pie chart shows the distribution of revenue billed by different products. Each slice represents the proportion of total revenue billed by each product.</a:t>
+              <a:t>The image is a scatter plot that visualizes clusters of data points based on "Revenue Billed" and "SB FX Rate". Here's a breakdown:</a:t>
+            </a:r>
+            <a:br/>
+            <a:br/>
+            <a:r>
+              <a:t>* **Type:** Scatter Plot with Color-Coded Clusters</a:t>
+            </a:r>
+            <a:br/>
+            <a:r>
+              <a:t>* **X-axis:** "Revenue Billed" (likely a financial metric)</a:t>
+            </a:r>
+            <a:br/>
+            <a:r>
+              <a:t>* **Y-axis:** "SB FX Rate" (likely related to foreign exchange rates)</a:t>
+            </a:r>
+            <a:br/>
+            <a:r>
+              <a:t>* **Data Points:** Each dot represents a data point with its position determined by its Revenue Billed and SB FX Rate values.</a:t>
+            </a:r>
+            <a:br/>
+            <a:r>
+              <a:t>* **Clusters:** The data points are grouped into clusters, indicated by different colors.  </a:t>
+            </a:r>
+            <a:br/>
+            <a:r>
+              <a:t>* **Color Bar:** The color bar on the right provides a key to the clusters. The colors likely represent different cluster assignments from a clustering algorithm (e.g., K-means clustering).</a:t>
+            </a:r>
+            <a:br/>
+            <a:r>
+              <a:t>* **Title:** "K-means Clustering of Revenue Billed and SB FX Rate" suggests the clustering method used.</a:t>
+            </a:r>
+            <a:br/>
+            <a:br/>
+            <a:r>
+              <a:t>**Observations:**</a:t>
+            </a:r>
+            <a:br/>
+            <a:br/>
+            <a:r>
+              <a:t>* Most data points are concentrated along a very narrow band on the Y-axis (SB FX Rate), indicating minimal variation in this variable.</a:t>
+            </a:r>
+            <a:br/>
+            <a:r>
+              <a:t>* There seems to be a weak relationship between Revenue Billed and SB FX Rate. </a:t>
+            </a:r>
+            <a:br/>
+            <a:r>
+              <a:t>* The clustering pattern is heavily influenced by the Revenue Billed variable, as clusters are primarily separated along the X-axis.</a:t>
+            </a:r>
+            <a:br/>
+            <a:br/>
+            <a:r>
+              <a:t>**Possible Interpretations:**</a:t>
+            </a:r>
+            <a:br/>
+            <a:br/>
+            <a:r>
+              <a:t>* The clustering suggests different groups of entities (perhaps clients, transactions, or products) with varying Revenue Billed figures but similar SB FX Rates.</a:t>
+            </a:r>
+            <a:br/>
+            <a:r>
+              <a:t>* The lack of strong correlation between the two variables suggests that SB FX Rate may not be a significant factor influencing Revenue Billed, at least within the observed data. </a:t>
+            </a:r>
+            <a:br/>
+            <a:br/>
+            <a:r>
+              <a:t>Without further context about the data and its source, it's challenging to provide a more definitive interpretation.</a:t>
             </a:r>
           </a:p>
         </p:txBody>

--- a/frontend1/static/presentations/user1_presentation.pptx
+++ b/frontend1/static/presentations/user1_presentation.pptx
@@ -11,6 +11,8 @@
     <p:sldId id="259" r:id="rId10"/>
     <p:sldId id="260" r:id="rId11"/>
     <p:sldId id="261" r:id="rId12"/>
+    <p:sldId id="262" r:id="rId13"/>
+    <p:sldId id="263" r:id="rId14"/>
   </p:sldIdLst>
   <p:sldSz cx="9144000" cy="6858000" type="screen4x3"/>
   <p:notesSz cx="6858000" cy="9144000"/>
@@ -3196,62 +3198,38 @@
               <a:defRPr sz="3600"/>
             </a:pPr>
             <a:r>
-              <a:t>The bar chart visualizes the monthly recurring revenue (MRR) generated by different business units. </a:t>
+              <a:t>The provided image is a bar graph that depicts the Monthly Recurring Revenue (MRR) for various business units. </a:t>
             </a:r>
             <a:br/>
             <a:br/>
             <a:r>
-              <a:t>Here's a breakdown:</a:t>
+              <a:t>Here are some observations:</a:t>
             </a:r>
             <a:br/>
             <a:br/>
             <a:r>
-              <a:t>* **X-Axis:** Each bar on the x-axis represents a unique "Business Unit," likely departments or segments within a larger organization.  Examples include "Agriculture," "Banking," and "Marketing."</a:t>
+              <a:t>* **Overall:** The graph shows a wide range of MRR across different business units, indicating varying performance levels.</a:t>
             </a:r>
             <a:br/>
             <a:r>
-              <a:t>* **Y-Axis:** The y-axis quantifies the "Monthly Recurring Revenue (MRR)" in a numerical format (it appears to be in the millions based on the "1e6" notation).</a:t>
+              <a:t>* **High Performers:** Certain business units stand out with significantly higher MRR than others. For example, units like "G:Rest", "I:Property" and "W:Property" show noticeably taller bars. </a:t>
             </a:r>
             <a:br/>
             <a:r>
-              <a:t>* **Bar Height:**  The height of each bar directly corresponds to the MRR brought in by that specific business unit. Taller bars indicate higher revenue generation.</a:t>
+              <a:t>* **Low Performers:** Conversely, some units like "G:Wett", "O:Web" and "T:Computer" have considerably lower MRR.</a:t>
+            </a:r>
+            <a:br/>
+            <a:r>
+              <a:t>* **Comparison:** The bar graph format allows for easy visual comparison of MRR between different business units.</a:t>
+            </a:r>
+            <a:br/>
+            <a:r>
+              <a:t>* **Axis:** The X-axis lists the different business units, likely abbreviated for brevity. The Y-axis represents the MRR in a numerical format, going up to 2 million.</a:t>
             </a:r>
             <a:br/>
             <a:br/>
             <a:r>
-              <a:t>**Overall Insights:**</a:t>
-            </a:r>
-            <a:br/>
-            <a:br/>
-            <a:r>
-              <a:t>* **Revenue Variation:**  There's significant variation in MRR across different business units. Some units are high performers (with bars reaching close to 2 million), while others generate considerably less revenue.</a:t>
-            </a:r>
-            <a:br/>
-            <a:r>
-              <a:t>* **Data Comparison:** The chart allows for quick visual comparison of revenue performance between different areas of the business. </a:t>
-            </a:r>
-            <a:br/>
-            <a:br/>
-            <a:r>
-              <a:t>**Additional Notes:**</a:t>
-            </a:r>
-            <a:br/>
-            <a:br/>
-            <a:r>
-              <a:t>* **Color:** The consistent light blue color of the bars suggests a focus on presenting the data clearly without drawing attention to specific business units through color variation.</a:t>
-            </a:r>
-            <a:br/>
-            <a:r>
-              <a:t>* **Title and Labels:** The title ("Monthly Recurring Revenue by Business Unit") and axis labels are clear and descriptive, aiding in immediate understanding. </a:t>
-            </a:r>
-            <a:br/>
-            <a:r>
-              <a:t>* **Gridlines:**  The subtle gridlines in the background enhance readability by making it easier to trace the value of each bar against the y-axis scale. </a:t>
-            </a:r>
-            <a:br/>
-            <a:br/>
-            <a:r>
-              <a:t>Without specific values and context about the business, it's challenging to provide deeper analysis. However, this visualization effectively highlights which business units are major revenue drivers and which may require further attention or strategy adjustments.</a:t>
+              <a:t>Overall, this graph is useful for quickly understanding the relative revenue generation of different business units. This information could be used for resource allocation, performance evaluation, or strategic planning.</a:t>
             </a:r>
           </a:p>
         </p:txBody>
@@ -3377,52 +3355,7 @@
               <a:defRPr sz="1440"/>
             </a:pPr>
             <a:r>
-              <a:t>The image shows a bar graph titled "Total Revenue by Product." It visually compares the total revenue generated by different product categories. </a:t>
-            </a:r>
-            <a:br/>
-            <a:br/>
-            <a:r>
-              <a:t>Here's a breakdown:</a:t>
-            </a:r>
-            <a:br/>
-            <a:br/>
-            <a:r>
-              <a:t>* **X-Axis:** Lists individual product categories: "CRM," "Database," "ERP," "Expenses," "Licenses," "Services," and "Web."</a:t>
-            </a:r>
-            <a:br/>
-            <a:r>
-              <a:t>* **Y-Axis:** Represents the total revenue billed, likely in millions or tens of millions based on the scale.</a:t>
-            </a:r>
-            <a:br/>
-            <a:r>
-              <a:t>* **Bars:** Each bar's height corresponds to the total revenue for that specific product. </a:t>
-            </a:r>
-            <a:br/>
-            <a:br/>
-            <a:r>
-              <a:t>**Key Observations:**</a:t>
-            </a:r>
-            <a:br/>
-            <a:br/>
-            <a:r>
-              <a:t>* **ERP is the highest-performing product category** by a significant margin, generating the most revenue. </a:t>
-            </a:r>
-            <a:br/>
-            <a:r>
-              <a:t>* **Web is the second-highest revenue generator,** though significantly less than ERP. </a:t>
-            </a:r>
-            <a:br/>
-            <a:r>
-              <a:t>* **Services show a moderate revenue stream.**</a:t>
-            </a:r>
-            <a:br/>
-            <a:r>
-              <a:t>* **CRM, Database, Expenses, and Licenses demonstrate comparatively lower revenue figures.**</a:t>
-            </a:r>
-            <a:br/>
-            <a:br/>
-            <a:r>
-              <a:t>**Overall, the graph highlights a significant revenue disparity between product categories, with ERP dominating sales.** This suggests that the business might focus on understanding the success factors of the ERP product and explore strategies to replicate similar success in other areas or further capitalize on the ERP market.</a:t>
+              <a:t>The bar graph shows total revenue billed by product. ERP generated the most revenue, followed by Web, then Services. The remaining products—CRM, Database, Expenses, and Licenses—had relatively insignificant revenue generation.  The title of the graph is "Total Revenue by Product." The Y-axis is "Total Revenue Billed," and the x-axis is "Product."</a:t>
             </a:r>
           </a:p>
         </p:txBody>
@@ -3548,73 +3481,211 @@
               <a:defRPr sz="1440"/>
             </a:pPr>
             <a:r>
-              <a:t>The image is a scatter plot that visualizes clusters of data points based on "Revenue Billed" and "SB FX Rate". Here's a breakdown:</a:t>
+              <a:t>The image presents a scatter plot that visualizes the results of a K-means clustering algorithm applied to a dataset containing information about "Revenue Billed" and "Item Name." </a:t>
             </a:r>
             <a:br/>
             <a:br/>
             <a:r>
-              <a:t>* **Type:** Scatter Plot with Color-Coded Clusters</a:t>
-            </a:r>
-            <a:br/>
-            <a:r>
-              <a:t>* **X-axis:** "Revenue Billed" (likely a financial metric)</a:t>
-            </a:r>
-            <a:br/>
-            <a:r>
-              <a:t>* **Y-axis:** "SB FX Rate" (likely related to foreign exchange rates)</a:t>
-            </a:r>
-            <a:br/>
-            <a:r>
-              <a:t>* **Data Points:** Each dot represents a data point with its position determined by its Revenue Billed and SB FX Rate values.</a:t>
-            </a:r>
-            <a:br/>
-            <a:r>
-              <a:t>* **Clusters:** The data points are grouped into clusters, indicated by different colors.  </a:t>
-            </a:r>
-            <a:br/>
-            <a:r>
-              <a:t>* **Color Bar:** The color bar on the right provides a key to the clusters. The colors likely represent different cluster assignments from a clustering algorithm (e.g., K-means clustering).</a:t>
-            </a:r>
-            <a:br/>
-            <a:r>
-              <a:t>* **Title:** "K-means Clustering of Revenue Billed and SB FX Rate" suggests the clustering method used.</a:t>
+              <a:t>Here's a breakdown of the plot's components:</a:t>
             </a:r>
             <a:br/>
             <a:br/>
             <a:r>
-              <a:t>**Observations:**</a:t>
+              <a:t>- **X-axis:** Represents the "Revenue Billed," likely in a monetary unit.</a:t>
+            </a:r>
+            <a:br/>
+            <a:r>
+              <a:t>- **Y-axis:** Lists various "Item Names," which seem to be categories of services or products.</a:t>
+            </a:r>
+            <a:br/>
+            <a:r>
+              <a:t>- **Dots:** Each dot corresponds to a single data point in the dataset, representing a specific instance of an item with its associated revenue.</a:t>
+            </a:r>
+            <a:br/>
+            <a:r>
+              <a:t>- **Color:** The color of the dots indicates the cluster assigned to each data point by the K-means algorithm. The color bar on the right side of the image provides a scale for interpreting the cluster assignments. For example, a dot colored dark purple belongs to cluster 0, while a yellow dot belongs to cluster 2.</a:t>
             </a:r>
             <a:br/>
             <a:br/>
             <a:r>
-              <a:t>* Most data points are concentrated along a very narrow band on the Y-axis (SB FX Rate), indicating minimal variation in this variable.</a:t>
-            </a:r>
-            <a:br/>
-            <a:r>
-              <a:t>* There seems to be a weak relationship between Revenue Billed and SB FX Rate. </a:t>
-            </a:r>
-            <a:br/>
-            <a:r>
-              <a:t>* The clustering pattern is heavily influenced by the Revenue Billed variable, as clusters are primarily separated along the X-axis.</a:t>
+              <a:t>The plot aims to show how different items are grouped based on their revenue similarity. Items clustered together are expected to have relatively similar revenue figures. The visualization helps identify patterns and relationships between the revenue generated by different items. </a:t>
             </a:r>
             <a:br/>
             <a:br/>
             <a:r>
-              <a:t>**Possible Interpretations:**</a:t>
+              <a:t>However, without further context or information about the number of clusters used in the K-means algorithm, it's challenging to draw specific conclusions about the data or the clustering results.</a:t>
+            </a:r>
+          </a:p>
+        </p:txBody>
+      </p:sp>
+    </p:spTree>
+  </p:cSld>
+  <p:clrMapOvr>
+    <a:masterClrMapping/>
+  </p:clrMapOvr>
+</p:sld>
+</file>
+
+<file path=ppt/slides/slide7.xml><?xml version="1.0" encoding="utf-8"?>
+<p:sld xmlns:a="http://schemas.openxmlformats.org/drawingml/2006/main" xmlns:p="http://schemas.openxmlformats.org/presentationml/2006/main" xmlns:r="http://schemas.openxmlformats.org/officeDocument/2006/relationships">
+  <p:cSld>
+    <p:spTree>
+      <p:nvGrpSpPr>
+        <p:cNvPr id="1" name=""/>
+        <p:cNvGrpSpPr/>
+        <p:nvPr/>
+      </p:nvGrpSpPr>
+      <p:grpSpPr/>
+      <p:sp>
+        <p:nvSpPr>
+          <p:cNvPr id="2" name="Title 1"/>
+          <p:cNvSpPr>
+            <a:spLocks noGrp="1"/>
+          </p:cNvSpPr>
+          <p:nvPr>
+            <p:ph type="title"/>
+          </p:nvPr>
+        </p:nvSpPr>
+        <p:spPr/>
+        <p:txBody>
+          <a:bodyPr/>
+          <a:lstStyle/>
+          <a:p/>
+        </p:txBody>
+      </p:sp>
+      <p:pic>
+        <p:nvPicPr>
+          <p:cNvPr id="3" name="Picture 2" descr="revenue_by_product_pie_chart.png"/>
+          <p:cNvPicPr>
+            <a:picLocks noChangeAspect="1"/>
+          </p:cNvPicPr>
+          <p:nvPr/>
+        </p:nvPicPr>
+        <p:blipFill>
+          <a:blip r:embed="rId2"/>
+          <a:stretch>
+            <a:fillRect/>
+          </a:stretch>
+        </p:blipFill>
+        <p:spPr>
+          <a:xfrm>
+            <a:off x="914400" y="914400"/>
+            <a:ext cx="7315200" cy="5029200"/>
+          </a:xfrm>
+          <a:prstGeom prst="rect">
+            <a:avLst/>
+          </a:prstGeom>
+        </p:spPr>
+      </p:pic>
+    </p:spTree>
+  </p:cSld>
+  <p:clrMapOvr>
+    <a:masterClrMapping/>
+  </p:clrMapOvr>
+</p:sld>
+</file>
+
+<file path=ppt/slides/slide8.xml><?xml version="1.0" encoding="utf-8"?>
+<p:sld xmlns:a="http://schemas.openxmlformats.org/drawingml/2006/main" xmlns:p="http://schemas.openxmlformats.org/presentationml/2006/main" xmlns:r="http://schemas.openxmlformats.org/officeDocument/2006/relationships">
+  <p:cSld>
+    <p:spTree>
+      <p:nvGrpSpPr>
+        <p:cNvPr id="1" name=""/>
+        <p:cNvGrpSpPr/>
+        <p:nvPr/>
+      </p:nvGrpSpPr>
+      <p:grpSpPr/>
+      <p:sp>
+        <p:nvSpPr>
+          <p:cNvPr id="2" name="Title 1"/>
+          <p:cNvSpPr>
+            <a:spLocks noGrp="1"/>
+          </p:cNvSpPr>
+          <p:nvPr>
+            <p:ph type="title"/>
+          </p:nvPr>
+        </p:nvSpPr>
+        <p:spPr/>
+        <p:txBody>
+          <a:bodyPr/>
+          <a:lstStyle/>
+          <a:p/>
+        </p:txBody>
+      </p:sp>
+      <p:sp>
+        <p:nvSpPr>
+          <p:cNvPr id="3" name="TextBox 2"/>
+          <p:cNvSpPr txBox="1"/>
+          <p:nvPr/>
+        </p:nvSpPr>
+        <p:spPr>
+          <a:xfrm>
+            <a:off x="914400" y="914400"/>
+            <a:ext cx="7315200" cy="5029200"/>
+          </a:xfrm>
+          <a:prstGeom prst="rect">
+            <a:avLst/>
+          </a:prstGeom>
+          <a:noFill/>
+        </p:spPr>
+        <p:txBody>
+          <a:bodyPr wrap="none">
+            <a:spAutoFit/>
+          </a:bodyPr>
+          <a:lstStyle/>
+          <a:p/>
+          <a:p>
+            <a:pPr>
+              <a:defRPr sz="1440"/>
+            </a:pPr>
+            <a:r>
+              <a:t>The image depicts a pie chart illustrating customer segmentation using the RFM (Recency, Frequency, Monetary value) model.  Here's a breakdown of the chart:</a:t>
             </a:r>
             <a:br/>
             <a:br/>
             <a:r>
-              <a:t>* The clustering suggests different groups of entities (perhaps clients, transactions, or products) with varying Revenue Billed figures but similar SB FX Rates.</a:t>
-            </a:r>
-            <a:br/>
-            <a:r>
-              <a:t>* The lack of strong correlation between the two variables suggests that SB FX Rate may not be a significant factor influencing Revenue Billed, at least within the observed data. </a:t>
+              <a:t>**Segments:**</a:t>
             </a:r>
             <a:br/>
             <a:br/>
             <a:r>
-              <a:t>Without further context about the data and its source, it's challenging to provide a more definitive interpretation.</a:t>
+              <a:t>* **Others (Light Blue):** This segment occupies the largest portion (50%) suggesting a significant number of customers don't fall into the clearly defined RFM categories. This could represent newer customers or those with inconsistent buying habits. </a:t>
+            </a:r>
+            <a:br/>
+            <a:r>
+              <a:t>* **At Risk (Dark Blue):** The second largest group (25.4%) is labeled "At Risk". These are likely customers who haven't made a purchase recently. Businesses focus on re-engaging this group to prevent churn. </a:t>
+            </a:r>
+            <a:br/>
+            <a:r>
+              <a:t>* **Potential Loyalists (Light Green):**  Making up 19.4%, this segment shows promise. They might be relatively new customers who have made a few purchases and have the potential to become loyal.</a:t>
+            </a:r>
+            <a:br/>
+            <a:r>
+              <a:t>* **Best Customers (Green):** This valuable group (3.9%) represents those with high recency, frequency, and monetary value.  They are the most engaged and profitable.</a:t>
+            </a:r>
+            <a:br/>
+            <a:r>
+              <a:t>* **Loyal Customers (Pink):** While smaller in proportion (1.2%), "Loyal Customers" are those with consistent purchasing behavior over a long period.</a:t>
+            </a:r>
+            <a:br/>
+            <a:br/>
+            <a:r>
+              <a:t>**Title:**</a:t>
+            </a:r>
+            <a:br/>
+            <a:br/>
+            <a:r>
+              <a:t>* "Customer Segmentation using RFM" clearly indicates the method used for categorizing customers.</a:t>
+            </a:r>
+            <a:br/>
+            <a:br/>
+            <a:r>
+              <a:t>**Overall:**</a:t>
+            </a:r>
+            <a:br/>
+            <a:br/>
+            <a:r>
+              <a:t>The chart emphasizes that while attracting new customers is important (represented by "Others"), businesses benefit from focusing on turning "Potential Loyalists" into "Best Customers" and mitigating the risk of the "At Risk" segment.</a:t>
             </a:r>
           </a:p>
         </p:txBody>

--- a/frontend1/static/presentations/user1_presentation.pptx
+++ b/frontend1/static/presentations/user1_presentation.pptx
@@ -4,16 +4,6 @@
   <p:sldMasterIdLst>
     <p:sldMasterId id="2147483648" r:id="rId1"/>
   </p:sldMasterIdLst>
-  <p:sldIdLst>
-    <p:sldId id="256" r:id="rId7"/>
-    <p:sldId id="257" r:id="rId8"/>
-    <p:sldId id="258" r:id="rId9"/>
-    <p:sldId id="259" r:id="rId10"/>
-    <p:sldId id="260" r:id="rId11"/>
-    <p:sldId id="261" r:id="rId12"/>
-    <p:sldId id="262" r:id="rId13"/>
-    <p:sldId id="263" r:id="rId14"/>
-  </p:sldIdLst>
   <p:sldSz cx="9144000" cy="6858000" type="screen4x3"/>
   <p:notesSz cx="6858000" cy="9144000"/>
   <p:defaultTextStyle>
@@ -3083,619 +3073,6 @@
     </p:otherStyle>
   </p:txStyles>
 </p:sldMaster>
-</file>
-
-<file path=ppt/slides/slide1.xml><?xml version="1.0" encoding="utf-8"?>
-<p:sld xmlns:a="http://schemas.openxmlformats.org/drawingml/2006/main" xmlns:p="http://schemas.openxmlformats.org/presentationml/2006/main" xmlns:r="http://schemas.openxmlformats.org/officeDocument/2006/relationships">
-  <p:cSld>
-    <p:spTree>
-      <p:nvGrpSpPr>
-        <p:cNvPr id="1" name=""/>
-        <p:cNvGrpSpPr/>
-        <p:nvPr/>
-      </p:nvGrpSpPr>
-      <p:grpSpPr/>
-      <p:sp>
-        <p:nvSpPr>
-          <p:cNvPr id="2" name="Title 1"/>
-          <p:cNvSpPr>
-            <a:spLocks noGrp="1"/>
-          </p:cNvSpPr>
-          <p:nvPr>
-            <p:ph type="title"/>
-          </p:nvPr>
-        </p:nvSpPr>
-        <p:spPr/>
-        <p:txBody>
-          <a:bodyPr/>
-          <a:lstStyle/>
-          <a:p/>
-        </p:txBody>
-      </p:sp>
-      <p:pic>
-        <p:nvPicPr>
-          <p:cNvPr id="3" name="Picture 2" descr="mrr_by_bu.png"/>
-          <p:cNvPicPr>
-            <a:picLocks noChangeAspect="1"/>
-          </p:cNvPicPr>
-          <p:nvPr/>
-        </p:nvPicPr>
-        <p:blipFill>
-          <a:blip r:embed="rId2"/>
-          <a:stretch>
-            <a:fillRect/>
-          </a:stretch>
-        </p:blipFill>
-        <p:spPr>
-          <a:xfrm>
-            <a:off x="914400" y="914400"/>
-            <a:ext cx="7315200" cy="5029200"/>
-          </a:xfrm>
-          <a:prstGeom prst="rect">
-            <a:avLst/>
-          </a:prstGeom>
-        </p:spPr>
-      </p:pic>
-    </p:spTree>
-  </p:cSld>
-  <p:clrMapOvr>
-    <a:masterClrMapping/>
-  </p:clrMapOvr>
-</p:sld>
-</file>
-
-<file path=ppt/slides/slide2.xml><?xml version="1.0" encoding="utf-8"?>
-<p:sld xmlns:a="http://schemas.openxmlformats.org/drawingml/2006/main" xmlns:p="http://schemas.openxmlformats.org/presentationml/2006/main" xmlns:r="http://schemas.openxmlformats.org/officeDocument/2006/relationships">
-  <p:cSld>
-    <p:spTree>
-      <p:nvGrpSpPr>
-        <p:cNvPr id="1" name=""/>
-        <p:cNvGrpSpPr/>
-        <p:nvPr/>
-      </p:nvGrpSpPr>
-      <p:grpSpPr/>
-      <p:sp>
-        <p:nvSpPr>
-          <p:cNvPr id="2" name="Title 1"/>
-          <p:cNvSpPr>
-            <a:spLocks noGrp="1"/>
-          </p:cNvSpPr>
-          <p:nvPr>
-            <p:ph type="title"/>
-          </p:nvPr>
-        </p:nvSpPr>
-        <p:spPr/>
-        <p:txBody>
-          <a:bodyPr/>
-          <a:lstStyle/>
-          <a:p/>
-        </p:txBody>
-      </p:sp>
-      <p:sp>
-        <p:nvSpPr>
-          <p:cNvPr id="3" name="TextBox 2"/>
-          <p:cNvSpPr txBox="1"/>
-          <p:nvPr/>
-        </p:nvSpPr>
-        <p:spPr>
-          <a:xfrm>
-            <a:off x="914400" y="914400"/>
-            <a:ext cx="7315200" cy="5029200"/>
-          </a:xfrm>
-          <a:prstGeom prst="rect">
-            <a:avLst/>
-          </a:prstGeom>
-          <a:noFill/>
-        </p:spPr>
-        <p:txBody>
-          <a:bodyPr wrap="none">
-            <a:spAutoFit/>
-          </a:bodyPr>
-          <a:lstStyle/>
-          <a:p/>
-          <a:p>
-            <a:pPr>
-              <a:defRPr sz="3600"/>
-            </a:pPr>
-            <a:r>
-              <a:t>The provided image is a bar graph that depicts the Monthly Recurring Revenue (MRR) for various business units. </a:t>
-            </a:r>
-            <a:br/>
-            <a:br/>
-            <a:r>
-              <a:t>Here are some observations:</a:t>
-            </a:r>
-            <a:br/>
-            <a:br/>
-            <a:r>
-              <a:t>* **Overall:** The graph shows a wide range of MRR across different business units, indicating varying performance levels.</a:t>
-            </a:r>
-            <a:br/>
-            <a:r>
-              <a:t>* **High Performers:** Certain business units stand out with significantly higher MRR than others. For example, units like "G:Rest", "I:Property" and "W:Property" show noticeably taller bars. </a:t>
-            </a:r>
-            <a:br/>
-            <a:r>
-              <a:t>* **Low Performers:** Conversely, some units like "G:Wett", "O:Web" and "T:Computer" have considerably lower MRR.</a:t>
-            </a:r>
-            <a:br/>
-            <a:r>
-              <a:t>* **Comparison:** The bar graph format allows for easy visual comparison of MRR between different business units.</a:t>
-            </a:r>
-            <a:br/>
-            <a:r>
-              <a:t>* **Axis:** The X-axis lists the different business units, likely abbreviated for brevity. The Y-axis represents the MRR in a numerical format, going up to 2 million.</a:t>
-            </a:r>
-            <a:br/>
-            <a:br/>
-            <a:r>
-              <a:t>Overall, this graph is useful for quickly understanding the relative revenue generation of different business units. This information could be used for resource allocation, performance evaluation, or strategic planning.</a:t>
-            </a:r>
-          </a:p>
-        </p:txBody>
-      </p:sp>
-    </p:spTree>
-  </p:cSld>
-  <p:clrMapOvr>
-    <a:masterClrMapping/>
-  </p:clrMapOvr>
-</p:sld>
-</file>
-
-<file path=ppt/slides/slide3.xml><?xml version="1.0" encoding="utf-8"?>
-<p:sld xmlns:a="http://schemas.openxmlformats.org/drawingml/2006/main" xmlns:p="http://schemas.openxmlformats.org/presentationml/2006/main" xmlns:r="http://schemas.openxmlformats.org/officeDocument/2006/relationships">
-  <p:cSld>
-    <p:spTree>
-      <p:nvGrpSpPr>
-        <p:cNvPr id="1" name=""/>
-        <p:cNvGrpSpPr/>
-        <p:nvPr/>
-      </p:nvGrpSpPr>
-      <p:grpSpPr/>
-      <p:sp>
-        <p:nvSpPr>
-          <p:cNvPr id="2" name="Title 1"/>
-          <p:cNvSpPr>
-            <a:spLocks noGrp="1"/>
-          </p:cNvSpPr>
-          <p:nvPr>
-            <p:ph type="title"/>
-          </p:nvPr>
-        </p:nvSpPr>
-        <p:spPr/>
-        <p:txBody>
-          <a:bodyPr/>
-          <a:lstStyle/>
-          <a:p/>
-        </p:txBody>
-      </p:sp>
-      <p:pic>
-        <p:nvPicPr>
-          <p:cNvPr id="3" name="Picture 2" descr="revenue_by_product_bar_chart.png"/>
-          <p:cNvPicPr>
-            <a:picLocks noChangeAspect="1"/>
-          </p:cNvPicPr>
-          <p:nvPr/>
-        </p:nvPicPr>
-        <p:blipFill>
-          <a:blip r:embed="rId2"/>
-          <a:stretch>
-            <a:fillRect/>
-          </a:stretch>
-        </p:blipFill>
-        <p:spPr>
-          <a:xfrm>
-            <a:off x="914400" y="914400"/>
-            <a:ext cx="7315200" cy="5029200"/>
-          </a:xfrm>
-          <a:prstGeom prst="rect">
-            <a:avLst/>
-          </a:prstGeom>
-        </p:spPr>
-      </p:pic>
-    </p:spTree>
-  </p:cSld>
-  <p:clrMapOvr>
-    <a:masterClrMapping/>
-  </p:clrMapOvr>
-</p:sld>
-</file>
-
-<file path=ppt/slides/slide4.xml><?xml version="1.0" encoding="utf-8"?>
-<p:sld xmlns:a="http://schemas.openxmlformats.org/drawingml/2006/main" xmlns:p="http://schemas.openxmlformats.org/presentationml/2006/main" xmlns:r="http://schemas.openxmlformats.org/officeDocument/2006/relationships">
-  <p:cSld>
-    <p:spTree>
-      <p:nvGrpSpPr>
-        <p:cNvPr id="1" name=""/>
-        <p:cNvGrpSpPr/>
-        <p:nvPr/>
-      </p:nvGrpSpPr>
-      <p:grpSpPr/>
-      <p:sp>
-        <p:nvSpPr>
-          <p:cNvPr id="2" name="Title 1"/>
-          <p:cNvSpPr>
-            <a:spLocks noGrp="1"/>
-          </p:cNvSpPr>
-          <p:nvPr>
-            <p:ph type="title"/>
-          </p:nvPr>
-        </p:nvSpPr>
-        <p:spPr/>
-        <p:txBody>
-          <a:bodyPr/>
-          <a:lstStyle/>
-          <a:p/>
-        </p:txBody>
-      </p:sp>
-      <p:sp>
-        <p:nvSpPr>
-          <p:cNvPr id="3" name="TextBox 2"/>
-          <p:cNvSpPr txBox="1"/>
-          <p:nvPr/>
-        </p:nvSpPr>
-        <p:spPr>
-          <a:xfrm>
-            <a:off x="914400" y="914400"/>
-            <a:ext cx="7315200" cy="5029200"/>
-          </a:xfrm>
-          <a:prstGeom prst="rect">
-            <a:avLst/>
-          </a:prstGeom>
-          <a:noFill/>
-        </p:spPr>
-        <p:txBody>
-          <a:bodyPr wrap="none">
-            <a:spAutoFit/>
-          </a:bodyPr>
-          <a:lstStyle/>
-          <a:p/>
-          <a:p>
-            <a:pPr>
-              <a:defRPr sz="1440"/>
-            </a:pPr>
-            <a:r>
-              <a:t>The bar graph shows total revenue billed by product. ERP generated the most revenue, followed by Web, then Services. The remaining products—CRM, Database, Expenses, and Licenses—had relatively insignificant revenue generation.  The title of the graph is "Total Revenue by Product." The Y-axis is "Total Revenue Billed," and the x-axis is "Product."</a:t>
-            </a:r>
-          </a:p>
-        </p:txBody>
-      </p:sp>
-    </p:spTree>
-  </p:cSld>
-  <p:clrMapOvr>
-    <a:masterClrMapping/>
-  </p:clrMapOvr>
-</p:sld>
-</file>
-
-<file path=ppt/slides/slide5.xml><?xml version="1.0" encoding="utf-8"?>
-<p:sld xmlns:a="http://schemas.openxmlformats.org/drawingml/2006/main" xmlns:p="http://schemas.openxmlformats.org/presentationml/2006/main" xmlns:r="http://schemas.openxmlformats.org/officeDocument/2006/relationships">
-  <p:cSld>
-    <p:spTree>
-      <p:nvGrpSpPr>
-        <p:cNvPr id="1" name=""/>
-        <p:cNvGrpSpPr/>
-        <p:nvPr/>
-      </p:nvGrpSpPr>
-      <p:grpSpPr/>
-      <p:sp>
-        <p:nvSpPr>
-          <p:cNvPr id="2" name="Title 1"/>
-          <p:cNvSpPr>
-            <a:spLocks noGrp="1"/>
-          </p:cNvSpPr>
-          <p:nvPr>
-            <p:ph type="title"/>
-          </p:nvPr>
-        </p:nvSpPr>
-        <p:spPr/>
-        <p:txBody>
-          <a:bodyPr/>
-          <a:lstStyle/>
-          <a:p/>
-        </p:txBody>
-      </p:sp>
-      <p:pic>
-        <p:nvPicPr>
-          <p:cNvPr id="3" name="Picture 2" descr="churn_rate_stacked_bar_chart.png"/>
-          <p:cNvPicPr>
-            <a:picLocks noChangeAspect="1"/>
-          </p:cNvPicPr>
-          <p:nvPr/>
-        </p:nvPicPr>
-        <p:blipFill>
-          <a:blip r:embed="rId2"/>
-          <a:stretch>
-            <a:fillRect/>
-          </a:stretch>
-        </p:blipFill>
-        <p:spPr>
-          <a:xfrm>
-            <a:off x="914400" y="914400"/>
-            <a:ext cx="7315200" cy="5029200"/>
-          </a:xfrm>
-          <a:prstGeom prst="rect">
-            <a:avLst/>
-          </a:prstGeom>
-        </p:spPr>
-      </p:pic>
-    </p:spTree>
-  </p:cSld>
-  <p:clrMapOvr>
-    <a:masterClrMapping/>
-  </p:clrMapOvr>
-</p:sld>
-</file>
-
-<file path=ppt/slides/slide6.xml><?xml version="1.0" encoding="utf-8"?>
-<p:sld xmlns:a="http://schemas.openxmlformats.org/drawingml/2006/main" xmlns:p="http://schemas.openxmlformats.org/presentationml/2006/main" xmlns:r="http://schemas.openxmlformats.org/officeDocument/2006/relationships">
-  <p:cSld>
-    <p:spTree>
-      <p:nvGrpSpPr>
-        <p:cNvPr id="1" name=""/>
-        <p:cNvGrpSpPr/>
-        <p:nvPr/>
-      </p:nvGrpSpPr>
-      <p:grpSpPr/>
-      <p:sp>
-        <p:nvSpPr>
-          <p:cNvPr id="2" name="Title 1"/>
-          <p:cNvSpPr>
-            <a:spLocks noGrp="1"/>
-          </p:cNvSpPr>
-          <p:nvPr>
-            <p:ph type="title"/>
-          </p:nvPr>
-        </p:nvSpPr>
-        <p:spPr/>
-        <p:txBody>
-          <a:bodyPr/>
-          <a:lstStyle/>
-          <a:p/>
-        </p:txBody>
-      </p:sp>
-      <p:sp>
-        <p:nvSpPr>
-          <p:cNvPr id="3" name="TextBox 2"/>
-          <p:cNvSpPr txBox="1"/>
-          <p:nvPr/>
-        </p:nvSpPr>
-        <p:spPr>
-          <a:xfrm>
-            <a:off x="914400" y="914400"/>
-            <a:ext cx="7315200" cy="5029200"/>
-          </a:xfrm>
-          <a:prstGeom prst="rect">
-            <a:avLst/>
-          </a:prstGeom>
-          <a:noFill/>
-        </p:spPr>
-        <p:txBody>
-          <a:bodyPr wrap="none">
-            <a:spAutoFit/>
-          </a:bodyPr>
-          <a:lstStyle/>
-          <a:p/>
-          <a:p>
-            <a:pPr>
-              <a:defRPr sz="1440"/>
-            </a:pPr>
-            <a:r>
-              <a:t>The image presents a scatter plot that visualizes the results of a K-means clustering algorithm applied to a dataset containing information about "Revenue Billed" and "Item Name." </a:t>
-            </a:r>
-            <a:br/>
-            <a:br/>
-            <a:r>
-              <a:t>Here's a breakdown of the plot's components:</a:t>
-            </a:r>
-            <a:br/>
-            <a:br/>
-            <a:r>
-              <a:t>- **X-axis:** Represents the "Revenue Billed," likely in a monetary unit.</a:t>
-            </a:r>
-            <a:br/>
-            <a:r>
-              <a:t>- **Y-axis:** Lists various "Item Names," which seem to be categories of services or products.</a:t>
-            </a:r>
-            <a:br/>
-            <a:r>
-              <a:t>- **Dots:** Each dot corresponds to a single data point in the dataset, representing a specific instance of an item with its associated revenue.</a:t>
-            </a:r>
-            <a:br/>
-            <a:r>
-              <a:t>- **Color:** The color of the dots indicates the cluster assigned to each data point by the K-means algorithm. The color bar on the right side of the image provides a scale for interpreting the cluster assignments. For example, a dot colored dark purple belongs to cluster 0, while a yellow dot belongs to cluster 2.</a:t>
-            </a:r>
-            <a:br/>
-            <a:br/>
-            <a:r>
-              <a:t>The plot aims to show how different items are grouped based on their revenue similarity. Items clustered together are expected to have relatively similar revenue figures. The visualization helps identify patterns and relationships between the revenue generated by different items. </a:t>
-            </a:r>
-            <a:br/>
-            <a:br/>
-            <a:r>
-              <a:t>However, without further context or information about the number of clusters used in the K-means algorithm, it's challenging to draw specific conclusions about the data or the clustering results.</a:t>
-            </a:r>
-          </a:p>
-        </p:txBody>
-      </p:sp>
-    </p:spTree>
-  </p:cSld>
-  <p:clrMapOvr>
-    <a:masterClrMapping/>
-  </p:clrMapOvr>
-</p:sld>
-</file>
-
-<file path=ppt/slides/slide7.xml><?xml version="1.0" encoding="utf-8"?>
-<p:sld xmlns:a="http://schemas.openxmlformats.org/drawingml/2006/main" xmlns:p="http://schemas.openxmlformats.org/presentationml/2006/main" xmlns:r="http://schemas.openxmlformats.org/officeDocument/2006/relationships">
-  <p:cSld>
-    <p:spTree>
-      <p:nvGrpSpPr>
-        <p:cNvPr id="1" name=""/>
-        <p:cNvGrpSpPr/>
-        <p:nvPr/>
-      </p:nvGrpSpPr>
-      <p:grpSpPr/>
-      <p:sp>
-        <p:nvSpPr>
-          <p:cNvPr id="2" name="Title 1"/>
-          <p:cNvSpPr>
-            <a:spLocks noGrp="1"/>
-          </p:cNvSpPr>
-          <p:nvPr>
-            <p:ph type="title"/>
-          </p:nvPr>
-        </p:nvSpPr>
-        <p:spPr/>
-        <p:txBody>
-          <a:bodyPr/>
-          <a:lstStyle/>
-          <a:p/>
-        </p:txBody>
-      </p:sp>
-      <p:pic>
-        <p:nvPicPr>
-          <p:cNvPr id="3" name="Picture 2" descr="revenue_by_product_pie_chart.png"/>
-          <p:cNvPicPr>
-            <a:picLocks noChangeAspect="1"/>
-          </p:cNvPicPr>
-          <p:nvPr/>
-        </p:nvPicPr>
-        <p:blipFill>
-          <a:blip r:embed="rId2"/>
-          <a:stretch>
-            <a:fillRect/>
-          </a:stretch>
-        </p:blipFill>
-        <p:spPr>
-          <a:xfrm>
-            <a:off x="914400" y="914400"/>
-            <a:ext cx="7315200" cy="5029200"/>
-          </a:xfrm>
-          <a:prstGeom prst="rect">
-            <a:avLst/>
-          </a:prstGeom>
-        </p:spPr>
-      </p:pic>
-    </p:spTree>
-  </p:cSld>
-  <p:clrMapOvr>
-    <a:masterClrMapping/>
-  </p:clrMapOvr>
-</p:sld>
-</file>
-
-<file path=ppt/slides/slide8.xml><?xml version="1.0" encoding="utf-8"?>
-<p:sld xmlns:a="http://schemas.openxmlformats.org/drawingml/2006/main" xmlns:p="http://schemas.openxmlformats.org/presentationml/2006/main" xmlns:r="http://schemas.openxmlformats.org/officeDocument/2006/relationships">
-  <p:cSld>
-    <p:spTree>
-      <p:nvGrpSpPr>
-        <p:cNvPr id="1" name=""/>
-        <p:cNvGrpSpPr/>
-        <p:nvPr/>
-      </p:nvGrpSpPr>
-      <p:grpSpPr/>
-      <p:sp>
-        <p:nvSpPr>
-          <p:cNvPr id="2" name="Title 1"/>
-          <p:cNvSpPr>
-            <a:spLocks noGrp="1"/>
-          </p:cNvSpPr>
-          <p:nvPr>
-            <p:ph type="title"/>
-          </p:nvPr>
-        </p:nvSpPr>
-        <p:spPr/>
-        <p:txBody>
-          <a:bodyPr/>
-          <a:lstStyle/>
-          <a:p/>
-        </p:txBody>
-      </p:sp>
-      <p:sp>
-        <p:nvSpPr>
-          <p:cNvPr id="3" name="TextBox 2"/>
-          <p:cNvSpPr txBox="1"/>
-          <p:nvPr/>
-        </p:nvSpPr>
-        <p:spPr>
-          <a:xfrm>
-            <a:off x="914400" y="914400"/>
-            <a:ext cx="7315200" cy="5029200"/>
-          </a:xfrm>
-          <a:prstGeom prst="rect">
-            <a:avLst/>
-          </a:prstGeom>
-          <a:noFill/>
-        </p:spPr>
-        <p:txBody>
-          <a:bodyPr wrap="none">
-            <a:spAutoFit/>
-          </a:bodyPr>
-          <a:lstStyle/>
-          <a:p/>
-          <a:p>
-            <a:pPr>
-              <a:defRPr sz="1440"/>
-            </a:pPr>
-            <a:r>
-              <a:t>The image depicts a pie chart illustrating customer segmentation using the RFM (Recency, Frequency, Monetary value) model.  Here's a breakdown of the chart:</a:t>
-            </a:r>
-            <a:br/>
-            <a:br/>
-            <a:r>
-              <a:t>**Segments:**</a:t>
-            </a:r>
-            <a:br/>
-            <a:br/>
-            <a:r>
-              <a:t>* **Others (Light Blue):** This segment occupies the largest portion (50%) suggesting a significant number of customers don't fall into the clearly defined RFM categories. This could represent newer customers or those with inconsistent buying habits. </a:t>
-            </a:r>
-            <a:br/>
-            <a:r>
-              <a:t>* **At Risk (Dark Blue):** The second largest group (25.4%) is labeled "At Risk". These are likely customers who haven't made a purchase recently. Businesses focus on re-engaging this group to prevent churn. </a:t>
-            </a:r>
-            <a:br/>
-            <a:r>
-              <a:t>* **Potential Loyalists (Light Green):**  Making up 19.4%, this segment shows promise. They might be relatively new customers who have made a few purchases and have the potential to become loyal.</a:t>
-            </a:r>
-            <a:br/>
-            <a:r>
-              <a:t>* **Best Customers (Green):** This valuable group (3.9%) represents those with high recency, frequency, and monetary value.  They are the most engaged and profitable.</a:t>
-            </a:r>
-            <a:br/>
-            <a:r>
-              <a:t>* **Loyal Customers (Pink):** While smaller in proportion (1.2%), "Loyal Customers" are those with consistent purchasing behavior over a long period.</a:t>
-            </a:r>
-            <a:br/>
-            <a:br/>
-            <a:r>
-              <a:t>**Title:**</a:t>
-            </a:r>
-            <a:br/>
-            <a:br/>
-            <a:r>
-              <a:t>* "Customer Segmentation using RFM" clearly indicates the method used for categorizing customers.</a:t>
-            </a:r>
-            <a:br/>
-            <a:br/>
-            <a:r>
-              <a:t>**Overall:**</a:t>
-            </a:r>
-            <a:br/>
-            <a:br/>
-            <a:r>
-              <a:t>The chart emphasizes that while attracting new customers is important (represented by "Others"), businesses benefit from focusing on turning "Potential Loyalists" into "Best Customers" and mitigating the risk of the "At Risk" segment.</a:t>
-            </a:r>
-          </a:p>
-        </p:txBody>
-      </p:sp>
-    </p:spTree>
-  </p:cSld>
-  <p:clrMapOvr>
-    <a:masterClrMapping/>
-  </p:clrMapOvr>
-</p:sld>
 </file>
 
 <file path=ppt/theme/theme1.xml><?xml version="1.0" encoding="utf-8"?>
